--- a/ppt 16-9/1312.你当刚强壮胆.pptx
+++ b/ppt 16-9/1312.你当刚强壮胆.pptx
@@ -5,7 +5,7 @@
     <p:sldMasterId id="2147483648" r:id="rId1"/>
   </p:sldMasterIdLst>
   <p:sldIdLst>
-    <p:sldId id="863" r:id="rId2"/>
+    <p:sldId id="864" r:id="rId2"/>
   </p:sldIdLst>
   <p:sldSz cx="12192000" cy="6858000"/>
   <p:notesSz cx="6858000" cy="9144000"/>
@@ -129,7 +129,7 @@
           <p:cNvPr id="2" name="标题 1">
             <a:extLst>
               <a:ext uri="{FF2B5EF4-FFF2-40B4-BE49-F238E27FC236}">
-                <a16:creationId xmlns:a16="http://schemas.microsoft.com/office/drawing/2014/main" id="{E9C417C7-3123-4510-C394-114456D4F227}"/>
+                <a16:creationId xmlns:a16="http://schemas.microsoft.com/office/drawing/2014/main" id="{D37FFF3B-B447-7C74-70CA-E9C18A98A409}"/>
               </a:ext>
             </a:extLst>
           </p:cNvPr>
@@ -166,7 +166,7 @@
           <p:cNvPr id="3" name="副标题 2">
             <a:extLst>
               <a:ext uri="{FF2B5EF4-FFF2-40B4-BE49-F238E27FC236}">
-                <a16:creationId xmlns:a16="http://schemas.microsoft.com/office/drawing/2014/main" id="{5B847000-055E-8D48-426D-31CCBE52F908}"/>
+                <a16:creationId xmlns:a16="http://schemas.microsoft.com/office/drawing/2014/main" id="{45D75FBD-1E9B-156B-8EEC-197134546502}"/>
               </a:ext>
             </a:extLst>
           </p:cNvPr>
@@ -236,7 +236,7 @@
           <p:cNvPr id="4" name="日期占位符 3">
             <a:extLst>
               <a:ext uri="{FF2B5EF4-FFF2-40B4-BE49-F238E27FC236}">
-                <a16:creationId xmlns:a16="http://schemas.microsoft.com/office/drawing/2014/main" id="{2D14FA0D-CEDE-301C-E49C-7D3B0FE7E3E1}"/>
+                <a16:creationId xmlns:a16="http://schemas.microsoft.com/office/drawing/2014/main" id="{4C685839-BA74-8FA4-8364-E842338367CB}"/>
               </a:ext>
             </a:extLst>
           </p:cNvPr>
@@ -252,7 +252,7 @@
           <a:bodyPr/>
           <a:lstStyle/>
           <a:p>
-            <a:fld id="{32701047-CEEC-496E-92D5-5F446E10CAA2}" type="datetimeFigureOut">
+            <a:fld id="{484B1E48-5D1D-4691-B77B-6507E4077B22}" type="datetimeFigureOut">
               <a:rPr lang="zh-CN" altLang="en-US" smtClean="0"/>
               <a:t>2024/3/10</a:t>
             </a:fld>
@@ -265,7 +265,7 @@
           <p:cNvPr id="5" name="页脚占位符 4">
             <a:extLst>
               <a:ext uri="{FF2B5EF4-FFF2-40B4-BE49-F238E27FC236}">
-                <a16:creationId xmlns:a16="http://schemas.microsoft.com/office/drawing/2014/main" id="{3DED8FEF-593C-0165-5DE6-B88276072E10}"/>
+                <a16:creationId xmlns:a16="http://schemas.microsoft.com/office/drawing/2014/main" id="{C2B6ADCC-E681-F1E3-5378-E4EBA1915181}"/>
               </a:ext>
             </a:extLst>
           </p:cNvPr>
@@ -290,7 +290,7 @@
           <p:cNvPr id="6" name="灯片编号占位符 5">
             <a:extLst>
               <a:ext uri="{FF2B5EF4-FFF2-40B4-BE49-F238E27FC236}">
-                <a16:creationId xmlns:a16="http://schemas.microsoft.com/office/drawing/2014/main" id="{655CF8B2-A98E-FE37-A559-B778BF317534}"/>
+                <a16:creationId xmlns:a16="http://schemas.microsoft.com/office/drawing/2014/main" id="{2FE64C8E-67AB-18D8-5041-64472ABFA0C5}"/>
               </a:ext>
             </a:extLst>
           </p:cNvPr>
@@ -306,7 +306,7 @@
           <a:bodyPr/>
           <a:lstStyle/>
           <a:p>
-            <a:fld id="{E597685B-92A1-4318-BAD5-842286F4A0F8}" type="slidenum">
+            <a:fld id="{72FB342F-74E3-43C6-A47D-0F3964E51279}" type="slidenum">
               <a:rPr lang="zh-CN" altLang="en-US" smtClean="0"/>
               <a:t>‹#›</a:t>
             </a:fld>
@@ -317,7 +317,7 @@
     </p:spTree>
     <p:extLst>
       <p:ext uri="{BB962C8B-B14F-4D97-AF65-F5344CB8AC3E}">
-        <p14:creationId xmlns:p14="http://schemas.microsoft.com/office/powerpoint/2010/main" val="1837898760"/>
+        <p14:creationId xmlns:p14="http://schemas.microsoft.com/office/powerpoint/2010/main" val="1798147271"/>
       </p:ext>
     </p:extLst>
   </p:cSld>
@@ -349,7 +349,7 @@
           <p:cNvPr id="2" name="标题 1">
             <a:extLst>
               <a:ext uri="{FF2B5EF4-FFF2-40B4-BE49-F238E27FC236}">
-                <a16:creationId xmlns:a16="http://schemas.microsoft.com/office/drawing/2014/main" id="{EC2913B9-7F22-51AC-EA39-6E860692738C}"/>
+                <a16:creationId xmlns:a16="http://schemas.microsoft.com/office/drawing/2014/main" id="{989EC238-4DCB-AE49-41AA-3A40A2B96182}"/>
               </a:ext>
             </a:extLst>
           </p:cNvPr>
@@ -377,7 +377,7 @@
           <p:cNvPr id="3" name="竖排文字占位符 2">
             <a:extLst>
               <a:ext uri="{FF2B5EF4-FFF2-40B4-BE49-F238E27FC236}">
-                <a16:creationId xmlns:a16="http://schemas.microsoft.com/office/drawing/2014/main" id="{085A3A14-E38D-5F10-CB6D-5A6ECE609DF6}"/>
+                <a16:creationId xmlns:a16="http://schemas.microsoft.com/office/drawing/2014/main" id="{C796E9C9-E708-8DAD-B59D-FDD0592E2D27}"/>
               </a:ext>
             </a:extLst>
           </p:cNvPr>
@@ -434,7 +434,7 @@
           <p:cNvPr id="4" name="日期占位符 3">
             <a:extLst>
               <a:ext uri="{FF2B5EF4-FFF2-40B4-BE49-F238E27FC236}">
-                <a16:creationId xmlns:a16="http://schemas.microsoft.com/office/drawing/2014/main" id="{3E6CE87D-757C-D7CD-ED78-3B5E5FC925C3}"/>
+                <a16:creationId xmlns:a16="http://schemas.microsoft.com/office/drawing/2014/main" id="{28DEE606-AB56-0621-1A2F-1F5F56AF1F12}"/>
               </a:ext>
             </a:extLst>
           </p:cNvPr>
@@ -450,7 +450,7 @@
           <a:bodyPr/>
           <a:lstStyle/>
           <a:p>
-            <a:fld id="{32701047-CEEC-496E-92D5-5F446E10CAA2}" type="datetimeFigureOut">
+            <a:fld id="{484B1E48-5D1D-4691-B77B-6507E4077B22}" type="datetimeFigureOut">
               <a:rPr lang="zh-CN" altLang="en-US" smtClean="0"/>
               <a:t>2024/3/10</a:t>
             </a:fld>
@@ -463,7 +463,7 @@
           <p:cNvPr id="5" name="页脚占位符 4">
             <a:extLst>
               <a:ext uri="{FF2B5EF4-FFF2-40B4-BE49-F238E27FC236}">
-                <a16:creationId xmlns:a16="http://schemas.microsoft.com/office/drawing/2014/main" id="{A27C0F4E-6303-B119-9013-5C0E11DA1507}"/>
+                <a16:creationId xmlns:a16="http://schemas.microsoft.com/office/drawing/2014/main" id="{049DAA1D-39BE-C39A-9139-F930C57A75C4}"/>
               </a:ext>
             </a:extLst>
           </p:cNvPr>
@@ -488,7 +488,7 @@
           <p:cNvPr id="6" name="灯片编号占位符 5">
             <a:extLst>
               <a:ext uri="{FF2B5EF4-FFF2-40B4-BE49-F238E27FC236}">
-                <a16:creationId xmlns:a16="http://schemas.microsoft.com/office/drawing/2014/main" id="{48F1F281-7C9B-8C1F-236D-E2277F1F94EA}"/>
+                <a16:creationId xmlns:a16="http://schemas.microsoft.com/office/drawing/2014/main" id="{6050D514-7213-39C9-F934-2D2F6BF73A27}"/>
               </a:ext>
             </a:extLst>
           </p:cNvPr>
@@ -504,7 +504,7 @@
           <a:bodyPr/>
           <a:lstStyle/>
           <a:p>
-            <a:fld id="{E597685B-92A1-4318-BAD5-842286F4A0F8}" type="slidenum">
+            <a:fld id="{72FB342F-74E3-43C6-A47D-0F3964E51279}" type="slidenum">
               <a:rPr lang="zh-CN" altLang="en-US" smtClean="0"/>
               <a:t>‹#›</a:t>
             </a:fld>
@@ -515,7 +515,7 @@
     </p:spTree>
     <p:extLst>
       <p:ext uri="{BB962C8B-B14F-4D97-AF65-F5344CB8AC3E}">
-        <p14:creationId xmlns:p14="http://schemas.microsoft.com/office/powerpoint/2010/main" val="1828548796"/>
+        <p14:creationId xmlns:p14="http://schemas.microsoft.com/office/powerpoint/2010/main" val="4245851026"/>
       </p:ext>
     </p:extLst>
   </p:cSld>
@@ -547,7 +547,7 @@
           <p:cNvPr id="2" name="竖排标题 1">
             <a:extLst>
               <a:ext uri="{FF2B5EF4-FFF2-40B4-BE49-F238E27FC236}">
-                <a16:creationId xmlns:a16="http://schemas.microsoft.com/office/drawing/2014/main" id="{21ECDC83-37EA-35E0-C7EA-A51EEBB9677B}"/>
+                <a16:creationId xmlns:a16="http://schemas.microsoft.com/office/drawing/2014/main" id="{FC0AC0B1-4FC5-4D6D-DE27-4671F1D8A912}"/>
               </a:ext>
             </a:extLst>
           </p:cNvPr>
@@ -580,7 +580,7 @@
           <p:cNvPr id="3" name="竖排文字占位符 2">
             <a:extLst>
               <a:ext uri="{FF2B5EF4-FFF2-40B4-BE49-F238E27FC236}">
-                <a16:creationId xmlns:a16="http://schemas.microsoft.com/office/drawing/2014/main" id="{3672E6E5-14D1-381C-6284-ABAC0C9B8EE2}"/>
+                <a16:creationId xmlns:a16="http://schemas.microsoft.com/office/drawing/2014/main" id="{AD384B7F-C281-2F61-4315-19DAD65885E7}"/>
               </a:ext>
             </a:extLst>
           </p:cNvPr>
@@ -642,7 +642,7 @@
           <p:cNvPr id="4" name="日期占位符 3">
             <a:extLst>
               <a:ext uri="{FF2B5EF4-FFF2-40B4-BE49-F238E27FC236}">
-                <a16:creationId xmlns:a16="http://schemas.microsoft.com/office/drawing/2014/main" id="{D0A4D2D9-702B-FF3F-7870-BBAD481D7FF8}"/>
+                <a16:creationId xmlns:a16="http://schemas.microsoft.com/office/drawing/2014/main" id="{D12B4AB4-17D4-A999-6F26-24A4EE1F34FA}"/>
               </a:ext>
             </a:extLst>
           </p:cNvPr>
@@ -658,7 +658,7 @@
           <a:bodyPr/>
           <a:lstStyle/>
           <a:p>
-            <a:fld id="{32701047-CEEC-496E-92D5-5F446E10CAA2}" type="datetimeFigureOut">
+            <a:fld id="{484B1E48-5D1D-4691-B77B-6507E4077B22}" type="datetimeFigureOut">
               <a:rPr lang="zh-CN" altLang="en-US" smtClean="0"/>
               <a:t>2024/3/10</a:t>
             </a:fld>
@@ -671,7 +671,7 @@
           <p:cNvPr id="5" name="页脚占位符 4">
             <a:extLst>
               <a:ext uri="{FF2B5EF4-FFF2-40B4-BE49-F238E27FC236}">
-                <a16:creationId xmlns:a16="http://schemas.microsoft.com/office/drawing/2014/main" id="{E3FBA81A-2EEA-CE6B-E24D-BE9BAB494879}"/>
+                <a16:creationId xmlns:a16="http://schemas.microsoft.com/office/drawing/2014/main" id="{26D33A4B-C490-BBA4-D37B-4D6991437B06}"/>
               </a:ext>
             </a:extLst>
           </p:cNvPr>
@@ -696,7 +696,7 @@
           <p:cNvPr id="6" name="灯片编号占位符 5">
             <a:extLst>
               <a:ext uri="{FF2B5EF4-FFF2-40B4-BE49-F238E27FC236}">
-                <a16:creationId xmlns:a16="http://schemas.microsoft.com/office/drawing/2014/main" id="{697B8DEC-49A3-26D0-0D26-A51B7C9F73A4}"/>
+                <a16:creationId xmlns:a16="http://schemas.microsoft.com/office/drawing/2014/main" id="{B670216E-F1DA-52C6-157A-1DEB46500CF3}"/>
               </a:ext>
             </a:extLst>
           </p:cNvPr>
@@ -712,7 +712,7 @@
           <a:bodyPr/>
           <a:lstStyle/>
           <a:p>
-            <a:fld id="{E597685B-92A1-4318-BAD5-842286F4A0F8}" type="slidenum">
+            <a:fld id="{72FB342F-74E3-43C6-A47D-0F3964E51279}" type="slidenum">
               <a:rPr lang="zh-CN" altLang="en-US" smtClean="0"/>
               <a:t>‹#›</a:t>
             </a:fld>
@@ -723,7 +723,7 @@
     </p:spTree>
     <p:extLst>
       <p:ext uri="{BB962C8B-B14F-4D97-AF65-F5344CB8AC3E}">
-        <p14:creationId xmlns:p14="http://schemas.microsoft.com/office/powerpoint/2010/main" val="3657770922"/>
+        <p14:creationId xmlns:p14="http://schemas.microsoft.com/office/powerpoint/2010/main" val="3362189355"/>
       </p:ext>
     </p:extLst>
   </p:cSld>
@@ -755,7 +755,7 @@
           <p:cNvPr id="2" name="标题 1">
             <a:extLst>
               <a:ext uri="{FF2B5EF4-FFF2-40B4-BE49-F238E27FC236}">
-                <a16:creationId xmlns:a16="http://schemas.microsoft.com/office/drawing/2014/main" id="{0BDAD815-1D07-62DB-1326-230AE8C60286}"/>
+                <a16:creationId xmlns:a16="http://schemas.microsoft.com/office/drawing/2014/main" id="{62B5AE8F-3B73-BBB9-7058-77B292B54F41}"/>
               </a:ext>
             </a:extLst>
           </p:cNvPr>
@@ -783,7 +783,7 @@
           <p:cNvPr id="3" name="内容占位符 2">
             <a:extLst>
               <a:ext uri="{FF2B5EF4-FFF2-40B4-BE49-F238E27FC236}">
-                <a16:creationId xmlns:a16="http://schemas.microsoft.com/office/drawing/2014/main" id="{F436E0B5-3E63-8497-6427-849D0F6381A2}"/>
+                <a16:creationId xmlns:a16="http://schemas.microsoft.com/office/drawing/2014/main" id="{822FD08C-F13F-6D24-E5B9-72009028198F}"/>
               </a:ext>
             </a:extLst>
           </p:cNvPr>
@@ -840,7 +840,7 @@
           <p:cNvPr id="4" name="日期占位符 3">
             <a:extLst>
               <a:ext uri="{FF2B5EF4-FFF2-40B4-BE49-F238E27FC236}">
-                <a16:creationId xmlns:a16="http://schemas.microsoft.com/office/drawing/2014/main" id="{0F563B0F-7D9F-29FC-B171-A2AADBE2F542}"/>
+                <a16:creationId xmlns:a16="http://schemas.microsoft.com/office/drawing/2014/main" id="{3A2A1903-13EB-6263-DA93-5207E6ADE9EF}"/>
               </a:ext>
             </a:extLst>
           </p:cNvPr>
@@ -856,7 +856,7 @@
           <a:bodyPr/>
           <a:lstStyle/>
           <a:p>
-            <a:fld id="{32701047-CEEC-496E-92D5-5F446E10CAA2}" type="datetimeFigureOut">
+            <a:fld id="{484B1E48-5D1D-4691-B77B-6507E4077B22}" type="datetimeFigureOut">
               <a:rPr lang="zh-CN" altLang="en-US" smtClean="0"/>
               <a:t>2024/3/10</a:t>
             </a:fld>
@@ -869,7 +869,7 @@
           <p:cNvPr id="5" name="页脚占位符 4">
             <a:extLst>
               <a:ext uri="{FF2B5EF4-FFF2-40B4-BE49-F238E27FC236}">
-                <a16:creationId xmlns:a16="http://schemas.microsoft.com/office/drawing/2014/main" id="{3B471CE1-9C13-5E6B-993D-05D7125287CC}"/>
+                <a16:creationId xmlns:a16="http://schemas.microsoft.com/office/drawing/2014/main" id="{00D314C1-4E58-6F40-145B-25D3CF6E68F1}"/>
               </a:ext>
             </a:extLst>
           </p:cNvPr>
@@ -894,7 +894,7 @@
           <p:cNvPr id="6" name="灯片编号占位符 5">
             <a:extLst>
               <a:ext uri="{FF2B5EF4-FFF2-40B4-BE49-F238E27FC236}">
-                <a16:creationId xmlns:a16="http://schemas.microsoft.com/office/drawing/2014/main" id="{D6F4D34C-3DD0-48D9-7EFA-4F92D3FA312A}"/>
+                <a16:creationId xmlns:a16="http://schemas.microsoft.com/office/drawing/2014/main" id="{D76B1E91-93DD-76C6-BB69-A1400B8755CD}"/>
               </a:ext>
             </a:extLst>
           </p:cNvPr>
@@ -910,7 +910,7 @@
           <a:bodyPr/>
           <a:lstStyle/>
           <a:p>
-            <a:fld id="{E597685B-92A1-4318-BAD5-842286F4A0F8}" type="slidenum">
+            <a:fld id="{72FB342F-74E3-43C6-A47D-0F3964E51279}" type="slidenum">
               <a:rPr lang="zh-CN" altLang="en-US" smtClean="0"/>
               <a:t>‹#›</a:t>
             </a:fld>
@@ -921,7 +921,7 @@
     </p:spTree>
     <p:extLst>
       <p:ext uri="{BB962C8B-B14F-4D97-AF65-F5344CB8AC3E}">
-        <p14:creationId xmlns:p14="http://schemas.microsoft.com/office/powerpoint/2010/main" val="1959740106"/>
+        <p14:creationId xmlns:p14="http://schemas.microsoft.com/office/powerpoint/2010/main" val="3374368093"/>
       </p:ext>
     </p:extLst>
   </p:cSld>
@@ -953,7 +953,7 @@
           <p:cNvPr id="2" name="标题 1">
             <a:extLst>
               <a:ext uri="{FF2B5EF4-FFF2-40B4-BE49-F238E27FC236}">
-                <a16:creationId xmlns:a16="http://schemas.microsoft.com/office/drawing/2014/main" id="{51471341-E55E-38E8-B8E6-8335E82734D9}"/>
+                <a16:creationId xmlns:a16="http://schemas.microsoft.com/office/drawing/2014/main" id="{3130C73B-33B0-9E05-D0BC-44A529698020}"/>
               </a:ext>
             </a:extLst>
           </p:cNvPr>
@@ -990,7 +990,7 @@
           <p:cNvPr id="3" name="文本占位符 2">
             <a:extLst>
               <a:ext uri="{FF2B5EF4-FFF2-40B4-BE49-F238E27FC236}">
-                <a16:creationId xmlns:a16="http://schemas.microsoft.com/office/drawing/2014/main" id="{1500341C-6A14-0665-1666-5CE593C648C3}"/>
+                <a16:creationId xmlns:a16="http://schemas.microsoft.com/office/drawing/2014/main" id="{D0004A37-579E-53A1-ECF3-25539A17CE03}"/>
               </a:ext>
             </a:extLst>
           </p:cNvPr>
@@ -1115,7 +1115,7 @@
           <p:cNvPr id="4" name="日期占位符 3">
             <a:extLst>
               <a:ext uri="{FF2B5EF4-FFF2-40B4-BE49-F238E27FC236}">
-                <a16:creationId xmlns:a16="http://schemas.microsoft.com/office/drawing/2014/main" id="{0B402964-010B-21DB-A4E9-4ECBC56CE534}"/>
+                <a16:creationId xmlns:a16="http://schemas.microsoft.com/office/drawing/2014/main" id="{8D6C464C-909F-4A3A-B174-F9EF2CCB65B6}"/>
               </a:ext>
             </a:extLst>
           </p:cNvPr>
@@ -1131,7 +1131,7 @@
           <a:bodyPr/>
           <a:lstStyle/>
           <a:p>
-            <a:fld id="{32701047-CEEC-496E-92D5-5F446E10CAA2}" type="datetimeFigureOut">
+            <a:fld id="{484B1E48-5D1D-4691-B77B-6507E4077B22}" type="datetimeFigureOut">
               <a:rPr lang="zh-CN" altLang="en-US" smtClean="0"/>
               <a:t>2024/3/10</a:t>
             </a:fld>
@@ -1144,7 +1144,7 @@
           <p:cNvPr id="5" name="页脚占位符 4">
             <a:extLst>
               <a:ext uri="{FF2B5EF4-FFF2-40B4-BE49-F238E27FC236}">
-                <a16:creationId xmlns:a16="http://schemas.microsoft.com/office/drawing/2014/main" id="{B3ACD933-3D03-9A67-45D9-561840B47F7F}"/>
+                <a16:creationId xmlns:a16="http://schemas.microsoft.com/office/drawing/2014/main" id="{24E4AB20-0442-F7E0-9901-B99E0D68548B}"/>
               </a:ext>
             </a:extLst>
           </p:cNvPr>
@@ -1169,7 +1169,7 @@
           <p:cNvPr id="6" name="灯片编号占位符 5">
             <a:extLst>
               <a:ext uri="{FF2B5EF4-FFF2-40B4-BE49-F238E27FC236}">
-                <a16:creationId xmlns:a16="http://schemas.microsoft.com/office/drawing/2014/main" id="{E6D3D810-381C-0A90-3643-B1DCA4FB312C}"/>
+                <a16:creationId xmlns:a16="http://schemas.microsoft.com/office/drawing/2014/main" id="{3428F2D1-036C-94D5-AAF5-0488F0F29612}"/>
               </a:ext>
             </a:extLst>
           </p:cNvPr>
@@ -1185,7 +1185,7 @@
           <a:bodyPr/>
           <a:lstStyle/>
           <a:p>
-            <a:fld id="{E597685B-92A1-4318-BAD5-842286F4A0F8}" type="slidenum">
+            <a:fld id="{72FB342F-74E3-43C6-A47D-0F3964E51279}" type="slidenum">
               <a:rPr lang="zh-CN" altLang="en-US" smtClean="0"/>
               <a:t>‹#›</a:t>
             </a:fld>
@@ -1196,7 +1196,7 @@
     </p:spTree>
     <p:extLst>
       <p:ext uri="{BB962C8B-B14F-4D97-AF65-F5344CB8AC3E}">
-        <p14:creationId xmlns:p14="http://schemas.microsoft.com/office/powerpoint/2010/main" val="1134371199"/>
+        <p14:creationId xmlns:p14="http://schemas.microsoft.com/office/powerpoint/2010/main" val="3605591430"/>
       </p:ext>
     </p:extLst>
   </p:cSld>
@@ -1228,7 +1228,7 @@
           <p:cNvPr id="2" name="标题 1">
             <a:extLst>
               <a:ext uri="{FF2B5EF4-FFF2-40B4-BE49-F238E27FC236}">
-                <a16:creationId xmlns:a16="http://schemas.microsoft.com/office/drawing/2014/main" id="{A3C0D51E-A102-6C27-F99C-49F47D20663E}"/>
+                <a16:creationId xmlns:a16="http://schemas.microsoft.com/office/drawing/2014/main" id="{201BDDA3-0B2F-529C-A186-AD9A341DD69D}"/>
               </a:ext>
             </a:extLst>
           </p:cNvPr>
@@ -1256,7 +1256,7 @@
           <p:cNvPr id="3" name="内容占位符 2">
             <a:extLst>
               <a:ext uri="{FF2B5EF4-FFF2-40B4-BE49-F238E27FC236}">
-                <a16:creationId xmlns:a16="http://schemas.microsoft.com/office/drawing/2014/main" id="{0491AC25-0394-3A5B-F078-55FAA5548BA3}"/>
+                <a16:creationId xmlns:a16="http://schemas.microsoft.com/office/drawing/2014/main" id="{B36E6B13-05E5-427E-3F0C-C2E7F875D31A}"/>
               </a:ext>
             </a:extLst>
           </p:cNvPr>
@@ -1318,7 +1318,7 @@
           <p:cNvPr id="4" name="内容占位符 3">
             <a:extLst>
               <a:ext uri="{FF2B5EF4-FFF2-40B4-BE49-F238E27FC236}">
-                <a16:creationId xmlns:a16="http://schemas.microsoft.com/office/drawing/2014/main" id="{9DA82AF6-5A1D-48F0-264D-33A31AC388BF}"/>
+                <a16:creationId xmlns:a16="http://schemas.microsoft.com/office/drawing/2014/main" id="{EAF167F1-1795-5A71-B0F4-CFAE3D086A07}"/>
               </a:ext>
             </a:extLst>
           </p:cNvPr>
@@ -1380,7 +1380,7 @@
           <p:cNvPr id="5" name="日期占位符 4">
             <a:extLst>
               <a:ext uri="{FF2B5EF4-FFF2-40B4-BE49-F238E27FC236}">
-                <a16:creationId xmlns:a16="http://schemas.microsoft.com/office/drawing/2014/main" id="{F85A202D-7DA6-4F1F-D243-A6564210F4D3}"/>
+                <a16:creationId xmlns:a16="http://schemas.microsoft.com/office/drawing/2014/main" id="{BF9EF533-25E6-520C-BAA7-AFC5097CF53B}"/>
               </a:ext>
             </a:extLst>
           </p:cNvPr>
@@ -1396,7 +1396,7 @@
           <a:bodyPr/>
           <a:lstStyle/>
           <a:p>
-            <a:fld id="{32701047-CEEC-496E-92D5-5F446E10CAA2}" type="datetimeFigureOut">
+            <a:fld id="{484B1E48-5D1D-4691-B77B-6507E4077B22}" type="datetimeFigureOut">
               <a:rPr lang="zh-CN" altLang="en-US" smtClean="0"/>
               <a:t>2024/3/10</a:t>
             </a:fld>
@@ -1409,7 +1409,7 @@
           <p:cNvPr id="6" name="页脚占位符 5">
             <a:extLst>
               <a:ext uri="{FF2B5EF4-FFF2-40B4-BE49-F238E27FC236}">
-                <a16:creationId xmlns:a16="http://schemas.microsoft.com/office/drawing/2014/main" id="{5F237693-89AF-5973-8F72-BF36C8A94E3D}"/>
+                <a16:creationId xmlns:a16="http://schemas.microsoft.com/office/drawing/2014/main" id="{005D4202-519D-1F4F-9D2D-46CD10F74EEB}"/>
               </a:ext>
             </a:extLst>
           </p:cNvPr>
@@ -1434,7 +1434,7 @@
           <p:cNvPr id="7" name="灯片编号占位符 6">
             <a:extLst>
               <a:ext uri="{FF2B5EF4-FFF2-40B4-BE49-F238E27FC236}">
-                <a16:creationId xmlns:a16="http://schemas.microsoft.com/office/drawing/2014/main" id="{69991B87-B09F-90EC-8E83-1F99C8F073FB}"/>
+                <a16:creationId xmlns:a16="http://schemas.microsoft.com/office/drawing/2014/main" id="{771A3ECF-596C-04A4-A6D5-1D1EB42EF548}"/>
               </a:ext>
             </a:extLst>
           </p:cNvPr>
@@ -1450,7 +1450,7 @@
           <a:bodyPr/>
           <a:lstStyle/>
           <a:p>
-            <a:fld id="{E597685B-92A1-4318-BAD5-842286F4A0F8}" type="slidenum">
+            <a:fld id="{72FB342F-74E3-43C6-A47D-0F3964E51279}" type="slidenum">
               <a:rPr lang="zh-CN" altLang="en-US" smtClean="0"/>
               <a:t>‹#›</a:t>
             </a:fld>
@@ -1461,7 +1461,7 @@
     </p:spTree>
     <p:extLst>
       <p:ext uri="{BB962C8B-B14F-4D97-AF65-F5344CB8AC3E}">
-        <p14:creationId xmlns:p14="http://schemas.microsoft.com/office/powerpoint/2010/main" val="3006501723"/>
+        <p14:creationId xmlns:p14="http://schemas.microsoft.com/office/powerpoint/2010/main" val="478634830"/>
       </p:ext>
     </p:extLst>
   </p:cSld>
@@ -1493,7 +1493,7 @@
           <p:cNvPr id="2" name="标题 1">
             <a:extLst>
               <a:ext uri="{FF2B5EF4-FFF2-40B4-BE49-F238E27FC236}">
-                <a16:creationId xmlns:a16="http://schemas.microsoft.com/office/drawing/2014/main" id="{02E62400-5336-07E0-DB83-23DAF9FD29CA}"/>
+                <a16:creationId xmlns:a16="http://schemas.microsoft.com/office/drawing/2014/main" id="{E1BA0895-658B-B6E0-4762-9099A8B84C93}"/>
               </a:ext>
             </a:extLst>
           </p:cNvPr>
@@ -1526,7 +1526,7 @@
           <p:cNvPr id="3" name="文本占位符 2">
             <a:extLst>
               <a:ext uri="{FF2B5EF4-FFF2-40B4-BE49-F238E27FC236}">
-                <a16:creationId xmlns:a16="http://schemas.microsoft.com/office/drawing/2014/main" id="{C70C3D70-099D-7ECF-07CC-CA70EC60A5EB}"/>
+                <a16:creationId xmlns:a16="http://schemas.microsoft.com/office/drawing/2014/main" id="{1C2E5A68-AC3D-5017-5B51-3D012EB2D33D}"/>
               </a:ext>
             </a:extLst>
           </p:cNvPr>
@@ -1597,7 +1597,7 @@
           <p:cNvPr id="4" name="内容占位符 3">
             <a:extLst>
               <a:ext uri="{FF2B5EF4-FFF2-40B4-BE49-F238E27FC236}">
-                <a16:creationId xmlns:a16="http://schemas.microsoft.com/office/drawing/2014/main" id="{510547CB-D908-F722-7D0C-3825D299F476}"/>
+                <a16:creationId xmlns:a16="http://schemas.microsoft.com/office/drawing/2014/main" id="{394744D0-0766-6A2F-F70A-FE00C4E522E5}"/>
               </a:ext>
             </a:extLst>
           </p:cNvPr>
@@ -1659,7 +1659,7 @@
           <p:cNvPr id="5" name="文本占位符 4">
             <a:extLst>
               <a:ext uri="{FF2B5EF4-FFF2-40B4-BE49-F238E27FC236}">
-                <a16:creationId xmlns:a16="http://schemas.microsoft.com/office/drawing/2014/main" id="{245CA9A3-0BC2-EE62-B736-901B967D2679}"/>
+                <a16:creationId xmlns:a16="http://schemas.microsoft.com/office/drawing/2014/main" id="{19B0018C-7939-DA9D-A991-2E00D2B6625E}"/>
               </a:ext>
             </a:extLst>
           </p:cNvPr>
@@ -1730,7 +1730,7 @@
           <p:cNvPr id="6" name="内容占位符 5">
             <a:extLst>
               <a:ext uri="{FF2B5EF4-FFF2-40B4-BE49-F238E27FC236}">
-                <a16:creationId xmlns:a16="http://schemas.microsoft.com/office/drawing/2014/main" id="{C82A2EAE-523A-2A74-017F-729F6D974EF8}"/>
+                <a16:creationId xmlns:a16="http://schemas.microsoft.com/office/drawing/2014/main" id="{62FCC65F-8D16-949E-77BE-2321ED724A5A}"/>
               </a:ext>
             </a:extLst>
           </p:cNvPr>
@@ -1792,7 +1792,7 @@
           <p:cNvPr id="7" name="日期占位符 6">
             <a:extLst>
               <a:ext uri="{FF2B5EF4-FFF2-40B4-BE49-F238E27FC236}">
-                <a16:creationId xmlns:a16="http://schemas.microsoft.com/office/drawing/2014/main" id="{67502E0D-7095-FDF6-48B5-2F3B1A279455}"/>
+                <a16:creationId xmlns:a16="http://schemas.microsoft.com/office/drawing/2014/main" id="{97A0E9D4-5FB3-5A9A-72A0-AAC1B832B56E}"/>
               </a:ext>
             </a:extLst>
           </p:cNvPr>
@@ -1808,7 +1808,7 @@
           <a:bodyPr/>
           <a:lstStyle/>
           <a:p>
-            <a:fld id="{32701047-CEEC-496E-92D5-5F446E10CAA2}" type="datetimeFigureOut">
+            <a:fld id="{484B1E48-5D1D-4691-B77B-6507E4077B22}" type="datetimeFigureOut">
               <a:rPr lang="zh-CN" altLang="en-US" smtClean="0"/>
               <a:t>2024/3/10</a:t>
             </a:fld>
@@ -1821,7 +1821,7 @@
           <p:cNvPr id="8" name="页脚占位符 7">
             <a:extLst>
               <a:ext uri="{FF2B5EF4-FFF2-40B4-BE49-F238E27FC236}">
-                <a16:creationId xmlns:a16="http://schemas.microsoft.com/office/drawing/2014/main" id="{E37E6D25-572F-95F2-5045-194EAE057D6D}"/>
+                <a16:creationId xmlns:a16="http://schemas.microsoft.com/office/drawing/2014/main" id="{59F2E073-0DD9-D5BF-7728-D9790A43E630}"/>
               </a:ext>
             </a:extLst>
           </p:cNvPr>
@@ -1846,7 +1846,7 @@
           <p:cNvPr id="9" name="灯片编号占位符 8">
             <a:extLst>
               <a:ext uri="{FF2B5EF4-FFF2-40B4-BE49-F238E27FC236}">
-                <a16:creationId xmlns:a16="http://schemas.microsoft.com/office/drawing/2014/main" id="{9AC7ADD4-38C7-5026-FF84-26BF772EEB08}"/>
+                <a16:creationId xmlns:a16="http://schemas.microsoft.com/office/drawing/2014/main" id="{8F0FFAFA-59C3-8596-07ED-8D33A295105E}"/>
               </a:ext>
             </a:extLst>
           </p:cNvPr>
@@ -1862,7 +1862,7 @@
           <a:bodyPr/>
           <a:lstStyle/>
           <a:p>
-            <a:fld id="{E597685B-92A1-4318-BAD5-842286F4A0F8}" type="slidenum">
+            <a:fld id="{72FB342F-74E3-43C6-A47D-0F3964E51279}" type="slidenum">
               <a:rPr lang="zh-CN" altLang="en-US" smtClean="0"/>
               <a:t>‹#›</a:t>
             </a:fld>
@@ -1873,7 +1873,7 @@
     </p:spTree>
     <p:extLst>
       <p:ext uri="{BB962C8B-B14F-4D97-AF65-F5344CB8AC3E}">
-        <p14:creationId xmlns:p14="http://schemas.microsoft.com/office/powerpoint/2010/main" val="3627245476"/>
+        <p14:creationId xmlns:p14="http://schemas.microsoft.com/office/powerpoint/2010/main" val="3497093841"/>
       </p:ext>
     </p:extLst>
   </p:cSld>
@@ -1905,7 +1905,7 @@
           <p:cNvPr id="2" name="标题 1">
             <a:extLst>
               <a:ext uri="{FF2B5EF4-FFF2-40B4-BE49-F238E27FC236}">
-                <a16:creationId xmlns:a16="http://schemas.microsoft.com/office/drawing/2014/main" id="{19A8988A-A33B-D7D7-E2FD-219659E1C126}"/>
+                <a16:creationId xmlns:a16="http://schemas.microsoft.com/office/drawing/2014/main" id="{D463C955-B2C1-56B2-FFDB-D4FAA14A4C5D}"/>
               </a:ext>
             </a:extLst>
           </p:cNvPr>
@@ -1933,7 +1933,7 @@
           <p:cNvPr id="3" name="日期占位符 2">
             <a:extLst>
               <a:ext uri="{FF2B5EF4-FFF2-40B4-BE49-F238E27FC236}">
-                <a16:creationId xmlns:a16="http://schemas.microsoft.com/office/drawing/2014/main" id="{404D35B4-3317-486F-9D4E-A39256C00635}"/>
+                <a16:creationId xmlns:a16="http://schemas.microsoft.com/office/drawing/2014/main" id="{F7EE70D3-B555-02C1-770D-2D24B53F1823}"/>
               </a:ext>
             </a:extLst>
           </p:cNvPr>
@@ -1949,7 +1949,7 @@
           <a:bodyPr/>
           <a:lstStyle/>
           <a:p>
-            <a:fld id="{32701047-CEEC-496E-92D5-5F446E10CAA2}" type="datetimeFigureOut">
+            <a:fld id="{484B1E48-5D1D-4691-B77B-6507E4077B22}" type="datetimeFigureOut">
               <a:rPr lang="zh-CN" altLang="en-US" smtClean="0"/>
               <a:t>2024/3/10</a:t>
             </a:fld>
@@ -1962,7 +1962,7 @@
           <p:cNvPr id="4" name="页脚占位符 3">
             <a:extLst>
               <a:ext uri="{FF2B5EF4-FFF2-40B4-BE49-F238E27FC236}">
-                <a16:creationId xmlns:a16="http://schemas.microsoft.com/office/drawing/2014/main" id="{5222FAF8-9FAE-1A9B-CF7D-B943AD545A2D}"/>
+                <a16:creationId xmlns:a16="http://schemas.microsoft.com/office/drawing/2014/main" id="{B578FD05-0F0F-719B-E4D1-700FCA2A264C}"/>
               </a:ext>
             </a:extLst>
           </p:cNvPr>
@@ -1987,7 +1987,7 @@
           <p:cNvPr id="5" name="灯片编号占位符 4">
             <a:extLst>
               <a:ext uri="{FF2B5EF4-FFF2-40B4-BE49-F238E27FC236}">
-                <a16:creationId xmlns:a16="http://schemas.microsoft.com/office/drawing/2014/main" id="{44C488A5-52FF-1253-DD45-92E80EEAF61B}"/>
+                <a16:creationId xmlns:a16="http://schemas.microsoft.com/office/drawing/2014/main" id="{EC0CF5C6-137B-9F70-8BFA-1C8A838CF517}"/>
               </a:ext>
             </a:extLst>
           </p:cNvPr>
@@ -2003,7 +2003,7 @@
           <a:bodyPr/>
           <a:lstStyle/>
           <a:p>
-            <a:fld id="{E597685B-92A1-4318-BAD5-842286F4A0F8}" type="slidenum">
+            <a:fld id="{72FB342F-74E3-43C6-A47D-0F3964E51279}" type="slidenum">
               <a:rPr lang="zh-CN" altLang="en-US" smtClean="0"/>
               <a:t>‹#›</a:t>
             </a:fld>
@@ -2014,7 +2014,7 @@
     </p:spTree>
     <p:extLst>
       <p:ext uri="{BB962C8B-B14F-4D97-AF65-F5344CB8AC3E}">
-        <p14:creationId xmlns:p14="http://schemas.microsoft.com/office/powerpoint/2010/main" val="3966398851"/>
+        <p14:creationId xmlns:p14="http://schemas.microsoft.com/office/powerpoint/2010/main" val="1006432437"/>
       </p:ext>
     </p:extLst>
   </p:cSld>
@@ -2046,7 +2046,7 @@
           <p:cNvPr id="2" name="日期占位符 1">
             <a:extLst>
               <a:ext uri="{FF2B5EF4-FFF2-40B4-BE49-F238E27FC236}">
-                <a16:creationId xmlns:a16="http://schemas.microsoft.com/office/drawing/2014/main" id="{D16C0D2F-39E1-536D-E107-A4A3E97ACDEA}"/>
+                <a16:creationId xmlns:a16="http://schemas.microsoft.com/office/drawing/2014/main" id="{C1E50D0D-BCD2-C56F-FE26-B60F6C686135}"/>
               </a:ext>
             </a:extLst>
           </p:cNvPr>
@@ -2062,7 +2062,7 @@
           <a:bodyPr/>
           <a:lstStyle/>
           <a:p>
-            <a:fld id="{32701047-CEEC-496E-92D5-5F446E10CAA2}" type="datetimeFigureOut">
+            <a:fld id="{484B1E48-5D1D-4691-B77B-6507E4077B22}" type="datetimeFigureOut">
               <a:rPr lang="zh-CN" altLang="en-US" smtClean="0"/>
               <a:t>2024/3/10</a:t>
             </a:fld>
@@ -2075,7 +2075,7 @@
           <p:cNvPr id="3" name="页脚占位符 2">
             <a:extLst>
               <a:ext uri="{FF2B5EF4-FFF2-40B4-BE49-F238E27FC236}">
-                <a16:creationId xmlns:a16="http://schemas.microsoft.com/office/drawing/2014/main" id="{FF66AC1B-2F0F-A982-E727-9989B7526386}"/>
+                <a16:creationId xmlns:a16="http://schemas.microsoft.com/office/drawing/2014/main" id="{8AEE056B-95B8-6202-C7F1-EDE04AE0082F}"/>
               </a:ext>
             </a:extLst>
           </p:cNvPr>
@@ -2100,7 +2100,7 @@
           <p:cNvPr id="4" name="灯片编号占位符 3">
             <a:extLst>
               <a:ext uri="{FF2B5EF4-FFF2-40B4-BE49-F238E27FC236}">
-                <a16:creationId xmlns:a16="http://schemas.microsoft.com/office/drawing/2014/main" id="{62AE1C87-9ED8-AB50-3F0C-4A46E4C77E85}"/>
+                <a16:creationId xmlns:a16="http://schemas.microsoft.com/office/drawing/2014/main" id="{AF07E714-5777-3657-88E1-D6836704C18A}"/>
               </a:ext>
             </a:extLst>
           </p:cNvPr>
@@ -2116,7 +2116,7 @@
           <a:bodyPr/>
           <a:lstStyle/>
           <a:p>
-            <a:fld id="{E597685B-92A1-4318-BAD5-842286F4A0F8}" type="slidenum">
+            <a:fld id="{72FB342F-74E3-43C6-A47D-0F3964E51279}" type="slidenum">
               <a:rPr lang="zh-CN" altLang="en-US" smtClean="0"/>
               <a:t>‹#›</a:t>
             </a:fld>
@@ -2127,7 +2127,7 @@
     </p:spTree>
     <p:extLst>
       <p:ext uri="{BB962C8B-B14F-4D97-AF65-F5344CB8AC3E}">
-        <p14:creationId xmlns:p14="http://schemas.microsoft.com/office/powerpoint/2010/main" val="3147784020"/>
+        <p14:creationId xmlns:p14="http://schemas.microsoft.com/office/powerpoint/2010/main" val="2702383075"/>
       </p:ext>
     </p:extLst>
   </p:cSld>
@@ -2159,7 +2159,7 @@
           <p:cNvPr id="2" name="标题 1">
             <a:extLst>
               <a:ext uri="{FF2B5EF4-FFF2-40B4-BE49-F238E27FC236}">
-                <a16:creationId xmlns:a16="http://schemas.microsoft.com/office/drawing/2014/main" id="{314147D4-4632-1F97-63D7-16E6F622937A}"/>
+                <a16:creationId xmlns:a16="http://schemas.microsoft.com/office/drawing/2014/main" id="{9FEC6C8E-5287-D029-CC27-712D38167BB6}"/>
               </a:ext>
             </a:extLst>
           </p:cNvPr>
@@ -2196,7 +2196,7 @@
           <p:cNvPr id="3" name="内容占位符 2">
             <a:extLst>
               <a:ext uri="{FF2B5EF4-FFF2-40B4-BE49-F238E27FC236}">
-                <a16:creationId xmlns:a16="http://schemas.microsoft.com/office/drawing/2014/main" id="{6FFD5C64-6EBE-1909-DF22-710A27F98AAB}"/>
+                <a16:creationId xmlns:a16="http://schemas.microsoft.com/office/drawing/2014/main" id="{6F530B07-A586-2A7A-C481-88832E34A6E1}"/>
               </a:ext>
             </a:extLst>
           </p:cNvPr>
@@ -2286,7 +2286,7 @@
           <p:cNvPr id="4" name="文本占位符 3">
             <a:extLst>
               <a:ext uri="{FF2B5EF4-FFF2-40B4-BE49-F238E27FC236}">
-                <a16:creationId xmlns:a16="http://schemas.microsoft.com/office/drawing/2014/main" id="{79903C3C-A5B0-D8D9-5196-B0032B1BE00D}"/>
+                <a16:creationId xmlns:a16="http://schemas.microsoft.com/office/drawing/2014/main" id="{53740123-12A0-C7D1-219D-105A85528758}"/>
               </a:ext>
             </a:extLst>
           </p:cNvPr>
@@ -2357,7 +2357,7 @@
           <p:cNvPr id="5" name="日期占位符 4">
             <a:extLst>
               <a:ext uri="{FF2B5EF4-FFF2-40B4-BE49-F238E27FC236}">
-                <a16:creationId xmlns:a16="http://schemas.microsoft.com/office/drawing/2014/main" id="{7834B7D8-5668-DAF7-C9B2-E99A56E8A8F4}"/>
+                <a16:creationId xmlns:a16="http://schemas.microsoft.com/office/drawing/2014/main" id="{F1F418E7-59BC-F157-79F0-A080770B46DF}"/>
               </a:ext>
             </a:extLst>
           </p:cNvPr>
@@ -2373,7 +2373,7 @@
           <a:bodyPr/>
           <a:lstStyle/>
           <a:p>
-            <a:fld id="{32701047-CEEC-496E-92D5-5F446E10CAA2}" type="datetimeFigureOut">
+            <a:fld id="{484B1E48-5D1D-4691-B77B-6507E4077B22}" type="datetimeFigureOut">
               <a:rPr lang="zh-CN" altLang="en-US" smtClean="0"/>
               <a:t>2024/3/10</a:t>
             </a:fld>
@@ -2386,7 +2386,7 @@
           <p:cNvPr id="6" name="页脚占位符 5">
             <a:extLst>
               <a:ext uri="{FF2B5EF4-FFF2-40B4-BE49-F238E27FC236}">
-                <a16:creationId xmlns:a16="http://schemas.microsoft.com/office/drawing/2014/main" id="{3FF9D6BF-8B76-37AE-2EE6-F5E05F6B3580}"/>
+                <a16:creationId xmlns:a16="http://schemas.microsoft.com/office/drawing/2014/main" id="{2D882924-2DF4-CEE8-91B0-96E8554C031D}"/>
               </a:ext>
             </a:extLst>
           </p:cNvPr>
@@ -2411,7 +2411,7 @@
           <p:cNvPr id="7" name="灯片编号占位符 6">
             <a:extLst>
               <a:ext uri="{FF2B5EF4-FFF2-40B4-BE49-F238E27FC236}">
-                <a16:creationId xmlns:a16="http://schemas.microsoft.com/office/drawing/2014/main" id="{3BAAB9AA-066C-DA04-E741-921677A72C0F}"/>
+                <a16:creationId xmlns:a16="http://schemas.microsoft.com/office/drawing/2014/main" id="{BE9DE63D-73C0-6DCC-DB89-5A0EA8CF4E82}"/>
               </a:ext>
             </a:extLst>
           </p:cNvPr>
@@ -2427,7 +2427,7 @@
           <a:bodyPr/>
           <a:lstStyle/>
           <a:p>
-            <a:fld id="{E597685B-92A1-4318-BAD5-842286F4A0F8}" type="slidenum">
+            <a:fld id="{72FB342F-74E3-43C6-A47D-0F3964E51279}" type="slidenum">
               <a:rPr lang="zh-CN" altLang="en-US" smtClean="0"/>
               <a:t>‹#›</a:t>
             </a:fld>
@@ -2438,7 +2438,7 @@
     </p:spTree>
     <p:extLst>
       <p:ext uri="{BB962C8B-B14F-4D97-AF65-F5344CB8AC3E}">
-        <p14:creationId xmlns:p14="http://schemas.microsoft.com/office/powerpoint/2010/main" val="1857335429"/>
+        <p14:creationId xmlns:p14="http://schemas.microsoft.com/office/powerpoint/2010/main" val="1940874231"/>
       </p:ext>
     </p:extLst>
   </p:cSld>
@@ -2470,7 +2470,7 @@
           <p:cNvPr id="2" name="标题 1">
             <a:extLst>
               <a:ext uri="{FF2B5EF4-FFF2-40B4-BE49-F238E27FC236}">
-                <a16:creationId xmlns:a16="http://schemas.microsoft.com/office/drawing/2014/main" id="{8B79B51D-C4D5-6E97-ED98-7EDAF6E921F9}"/>
+                <a16:creationId xmlns:a16="http://schemas.microsoft.com/office/drawing/2014/main" id="{525A00FF-5AF3-8150-CA3A-54F3B1BB6332}"/>
               </a:ext>
             </a:extLst>
           </p:cNvPr>
@@ -2507,7 +2507,7 @@
           <p:cNvPr id="3" name="图片占位符 2">
             <a:extLst>
               <a:ext uri="{FF2B5EF4-FFF2-40B4-BE49-F238E27FC236}">
-                <a16:creationId xmlns:a16="http://schemas.microsoft.com/office/drawing/2014/main" id="{B773B655-A945-CD2B-C6E8-8267E596D192}"/>
+                <a16:creationId xmlns:a16="http://schemas.microsoft.com/office/drawing/2014/main" id="{9DB2F227-4C6B-21EB-E2FD-980FC86D390B}"/>
               </a:ext>
             </a:extLst>
           </p:cNvPr>
@@ -2574,7 +2574,7 @@
           <p:cNvPr id="4" name="文本占位符 3">
             <a:extLst>
               <a:ext uri="{FF2B5EF4-FFF2-40B4-BE49-F238E27FC236}">
-                <a16:creationId xmlns:a16="http://schemas.microsoft.com/office/drawing/2014/main" id="{DDBBE715-1776-B4D6-75AC-8369DAEB8530}"/>
+                <a16:creationId xmlns:a16="http://schemas.microsoft.com/office/drawing/2014/main" id="{5C48CF06-1FA0-FD04-413D-481AA5901753}"/>
               </a:ext>
             </a:extLst>
           </p:cNvPr>
@@ -2645,7 +2645,7 @@
           <p:cNvPr id="5" name="日期占位符 4">
             <a:extLst>
               <a:ext uri="{FF2B5EF4-FFF2-40B4-BE49-F238E27FC236}">
-                <a16:creationId xmlns:a16="http://schemas.microsoft.com/office/drawing/2014/main" id="{01F18418-3F80-38C2-AC47-BC87947FB746}"/>
+                <a16:creationId xmlns:a16="http://schemas.microsoft.com/office/drawing/2014/main" id="{5C873D2E-FBF5-AF9E-F825-7ACB91AFFD44}"/>
               </a:ext>
             </a:extLst>
           </p:cNvPr>
@@ -2661,7 +2661,7 @@
           <a:bodyPr/>
           <a:lstStyle/>
           <a:p>
-            <a:fld id="{32701047-CEEC-496E-92D5-5F446E10CAA2}" type="datetimeFigureOut">
+            <a:fld id="{484B1E48-5D1D-4691-B77B-6507E4077B22}" type="datetimeFigureOut">
               <a:rPr lang="zh-CN" altLang="en-US" smtClean="0"/>
               <a:t>2024/3/10</a:t>
             </a:fld>
@@ -2674,7 +2674,7 @@
           <p:cNvPr id="6" name="页脚占位符 5">
             <a:extLst>
               <a:ext uri="{FF2B5EF4-FFF2-40B4-BE49-F238E27FC236}">
-                <a16:creationId xmlns:a16="http://schemas.microsoft.com/office/drawing/2014/main" id="{66574B0E-3B09-E3FE-62B7-336779F0A489}"/>
+                <a16:creationId xmlns:a16="http://schemas.microsoft.com/office/drawing/2014/main" id="{34757317-9959-7E85-83EA-5EEC42C80075}"/>
               </a:ext>
             </a:extLst>
           </p:cNvPr>
@@ -2699,7 +2699,7 @@
           <p:cNvPr id="7" name="灯片编号占位符 6">
             <a:extLst>
               <a:ext uri="{FF2B5EF4-FFF2-40B4-BE49-F238E27FC236}">
-                <a16:creationId xmlns:a16="http://schemas.microsoft.com/office/drawing/2014/main" id="{2865B682-4EF2-B573-5941-8242A2F36C82}"/>
+                <a16:creationId xmlns:a16="http://schemas.microsoft.com/office/drawing/2014/main" id="{42397A7A-4C24-05E4-A153-B012F7949B5D}"/>
               </a:ext>
             </a:extLst>
           </p:cNvPr>
@@ -2715,7 +2715,7 @@
           <a:bodyPr/>
           <a:lstStyle/>
           <a:p>
-            <a:fld id="{E597685B-92A1-4318-BAD5-842286F4A0F8}" type="slidenum">
+            <a:fld id="{72FB342F-74E3-43C6-A47D-0F3964E51279}" type="slidenum">
               <a:rPr lang="zh-CN" altLang="en-US" smtClean="0"/>
               <a:t>‹#›</a:t>
             </a:fld>
@@ -2726,7 +2726,7 @@
     </p:spTree>
     <p:extLst>
       <p:ext uri="{BB962C8B-B14F-4D97-AF65-F5344CB8AC3E}">
-        <p14:creationId xmlns:p14="http://schemas.microsoft.com/office/powerpoint/2010/main" val="3832867944"/>
+        <p14:creationId xmlns:p14="http://schemas.microsoft.com/office/powerpoint/2010/main" val="3871468806"/>
       </p:ext>
     </p:extLst>
   </p:cSld>
@@ -2763,7 +2763,7 @@
           <p:cNvPr id="2" name="标题占位符 1">
             <a:extLst>
               <a:ext uri="{FF2B5EF4-FFF2-40B4-BE49-F238E27FC236}">
-                <a16:creationId xmlns:a16="http://schemas.microsoft.com/office/drawing/2014/main" id="{5CC417FB-2E47-4910-F631-76D551EB68CA}"/>
+                <a16:creationId xmlns:a16="http://schemas.microsoft.com/office/drawing/2014/main" id="{D1505E59-34D6-7595-E271-F6065D12FADF}"/>
               </a:ext>
             </a:extLst>
           </p:cNvPr>
@@ -2801,7 +2801,7 @@
           <p:cNvPr id="3" name="文本占位符 2">
             <a:extLst>
               <a:ext uri="{FF2B5EF4-FFF2-40B4-BE49-F238E27FC236}">
-                <a16:creationId xmlns:a16="http://schemas.microsoft.com/office/drawing/2014/main" id="{C664228F-4B1E-635E-90E1-D0EBE194A136}"/>
+                <a16:creationId xmlns:a16="http://schemas.microsoft.com/office/drawing/2014/main" id="{FBBB57F1-E00A-22E4-7E98-2D67AB268E3A}"/>
               </a:ext>
             </a:extLst>
           </p:cNvPr>
@@ -2868,7 +2868,7 @@
           <p:cNvPr id="4" name="日期占位符 3">
             <a:extLst>
               <a:ext uri="{FF2B5EF4-FFF2-40B4-BE49-F238E27FC236}">
-                <a16:creationId xmlns:a16="http://schemas.microsoft.com/office/drawing/2014/main" id="{E1C13D3D-CF1A-18AA-53FE-4E34A467EFEC}"/>
+                <a16:creationId xmlns:a16="http://schemas.microsoft.com/office/drawing/2014/main" id="{06769720-A920-D7DB-5A30-D9D942ACF43A}"/>
               </a:ext>
             </a:extLst>
           </p:cNvPr>
@@ -2902,7 +2902,7 @@
             </a:lvl1pPr>
           </a:lstStyle>
           <a:p>
-            <a:fld id="{32701047-CEEC-496E-92D5-5F446E10CAA2}" type="datetimeFigureOut">
+            <a:fld id="{484B1E48-5D1D-4691-B77B-6507E4077B22}" type="datetimeFigureOut">
               <a:rPr lang="zh-CN" altLang="en-US" smtClean="0"/>
               <a:t>2024/3/10</a:t>
             </a:fld>
@@ -2915,7 +2915,7 @@
           <p:cNvPr id="5" name="页脚占位符 4">
             <a:extLst>
               <a:ext uri="{FF2B5EF4-FFF2-40B4-BE49-F238E27FC236}">
-                <a16:creationId xmlns:a16="http://schemas.microsoft.com/office/drawing/2014/main" id="{223AFE1A-72EA-FB3E-6ED6-4A36B94B0763}"/>
+                <a16:creationId xmlns:a16="http://schemas.microsoft.com/office/drawing/2014/main" id="{F61992CB-B6F1-CB60-A4B7-C7611E68FAD6}"/>
               </a:ext>
             </a:extLst>
           </p:cNvPr>
@@ -2958,7 +2958,7 @@
           <p:cNvPr id="6" name="灯片编号占位符 5">
             <a:extLst>
               <a:ext uri="{FF2B5EF4-FFF2-40B4-BE49-F238E27FC236}">
-                <a16:creationId xmlns:a16="http://schemas.microsoft.com/office/drawing/2014/main" id="{F80665A5-CC46-C966-6608-D146FC0F6B83}"/>
+                <a16:creationId xmlns:a16="http://schemas.microsoft.com/office/drawing/2014/main" id="{A6C35130-7626-DC25-6728-8040DC4C024F}"/>
               </a:ext>
             </a:extLst>
           </p:cNvPr>
@@ -2992,7 +2992,7 @@
             </a:lvl1pPr>
           </a:lstStyle>
           <a:p>
-            <a:fld id="{E597685B-92A1-4318-BAD5-842286F4A0F8}" type="slidenum">
+            <a:fld id="{72FB342F-74E3-43C6-A47D-0F3964E51279}" type="slidenum">
               <a:rPr lang="zh-CN" altLang="en-US" smtClean="0"/>
               <a:t>‹#›</a:t>
             </a:fld>
@@ -3003,7 +3003,7 @@
     </p:spTree>
     <p:extLst>
       <p:ext uri="{BB962C8B-B14F-4D97-AF65-F5344CB8AC3E}">
-        <p14:creationId xmlns:p14="http://schemas.microsoft.com/office/powerpoint/2010/main" val="4256161540"/>
+        <p14:creationId xmlns:p14="http://schemas.microsoft.com/office/powerpoint/2010/main" val="1882202475"/>
       </p:ext>
     </p:extLst>
   </p:cSld>
@@ -3323,7 +3323,7 @@
       </p:grpSpPr>
       <p:pic>
         <p:nvPicPr>
-          <p:cNvPr id="1343490" name="Picture 2" descr="1311"/>
+          <p:cNvPr id="1344514" name="Picture 2" descr="1312"/>
           <p:cNvPicPr>
             <a:picLocks noChangeAspect="1" noChangeArrowheads="1"/>
           </p:cNvPicPr>
@@ -3345,7 +3345,7 @@
         <p:spPr bwMode="auto">
           <a:xfrm>
             <a:off x="1524000" y="0"/>
-            <a:ext cx="9144000" cy="4076700"/>
+            <a:ext cx="9144000" cy="4724400"/>
           </a:xfrm>
           <a:prstGeom prst="rect">
             <a:avLst/>
